--- a/Databases/06. Transact SQL (T-SQL)/Transact-SQL.pptx
+++ b/Databases/06. Transact SQL (T-SQL)/Transact-SQL.pptx
@@ -198,7 +198,7 @@
   </p:defaultTextStyle>
   <p:extLst>
     <p:ext uri="{EFAFB233-063F-42B5-8137-9DF3F51BA10A}">
-      <p15:sldGuideLst xmlns:p15="http://schemas.microsoft.com/office/powerpoint/2012/main">
+      <p15:sldGuideLst xmlns="" xmlns:p15="http://schemas.microsoft.com/office/powerpoint/2012/main">
         <p15:guide id="1" orient="horz" pos="2160">
           <p15:clr>
             <a:srgbClr val="A4A3A4"/>
@@ -212,7 +212,7 @@
       </p15:sldGuideLst>
     </p:ext>
     <p:ext uri="{2D200454-40CA-4A62-9FC3-DE9A4176ACB9}">
-      <p15:notesGuideLst xmlns:p15="http://schemas.microsoft.com/office/powerpoint/2012/main">
+      <p15:notesGuideLst xmlns="" xmlns:p15="http://schemas.microsoft.com/office/powerpoint/2012/main">
         <p15:guide id="1" orient="horz" pos="2928">
           <p15:clr>
             <a:srgbClr val="A4A3A4"/>
@@ -344,7 +344,7 @@
             <a:fld id="{3BF7C7B5-275F-4D1F-9AB4-9255447DBC73}" type="datetimeFigureOut">
               <a:rPr lang="en-US"/>
               <a:pPr/>
-              <a:t>10.07.2013</a:t>
+              <a:t>8/21/2014</a:t>
             </a:fld>
             <a:endParaRPr lang="en-US" dirty="0"/>
           </a:p>
@@ -575,7 +575,7 @@
             <a:fld id="{9B46F231-FB2B-4655-A644-E2477325E686}" type="datetimeFigureOut">
               <a:rPr lang="en-US"/>
               <a:pPr/>
-              <a:t>10.07.2013</a:t>
+              <a:t>8/21/2014</a:t>
             </a:fld>
             <a:endParaRPr lang="en-US" dirty="0"/>
           </a:p>
@@ -7341,138 +7341,6 @@
           </a:p>
         </p:txBody>
       </p:sp>
-      <p:sp>
-        <p:nvSpPr>
-          <p:cNvPr id="10" name="Text Placeholder 9"/>
-          <p:cNvSpPr>
-            <a:spLocks noGrp="1"/>
-          </p:cNvSpPr>
-          <p:nvPr>
-            <p:ph type="body" sz="quarter" idx="10"/>
-          </p:nvPr>
-        </p:nvSpPr>
-        <p:spPr/>
-        <p:txBody>
-          <a:bodyPr/>
-          <a:lstStyle/>
-          <a:p>
-            <a:r>
-              <a:rPr lang="en-US" dirty="0" smtClean="0"/>
-              <a:t>Svetlin Nakov</a:t>
-            </a:r>
-            <a:endParaRPr lang="en-US" dirty="0"/>
-          </a:p>
-        </p:txBody>
-      </p:sp>
-      <p:sp>
-        <p:nvSpPr>
-          <p:cNvPr id="11" name="Text Placeholder 10"/>
-          <p:cNvSpPr>
-            <a:spLocks noGrp="1"/>
-          </p:cNvSpPr>
-          <p:nvPr>
-            <p:ph type="body" sz="quarter" idx="11"/>
-          </p:nvPr>
-        </p:nvSpPr>
-        <p:spPr/>
-        <p:txBody>
-          <a:bodyPr/>
-          <a:lstStyle/>
-          <a:p>
-            <a:r>
-              <a:rPr lang="en-US" dirty="0" smtClean="0"/>
-              <a:t>Telerik Software Academy</a:t>
-            </a:r>
-            <a:endParaRPr lang="en-US" dirty="0"/>
-          </a:p>
-        </p:txBody>
-      </p:sp>
-      <p:sp>
-        <p:nvSpPr>
-          <p:cNvPr id="12" name="Text Placeholder 11"/>
-          <p:cNvSpPr>
-            <a:spLocks noGrp="1"/>
-          </p:cNvSpPr>
-          <p:nvPr>
-            <p:ph type="body" sz="quarter" idx="12"/>
-          </p:nvPr>
-        </p:nvSpPr>
-        <p:spPr/>
-        <p:txBody>
-          <a:bodyPr/>
-          <a:lstStyle/>
-          <a:p>
-            <a:r>
-              <a:rPr lang="en-US" dirty="0" smtClean="0">
-                <a:hlinkClick r:id="rId4"/>
-              </a:rPr>
-              <a:t>http://academy.telerik.com</a:t>
-            </a:r>
-            <a:r>
-              <a:rPr lang="en-US" dirty="0" smtClean="0"/>
-              <a:t> </a:t>
-            </a:r>
-            <a:endParaRPr lang="en-US" dirty="0"/>
-          </a:p>
-        </p:txBody>
-      </p:sp>
-      <p:sp>
-        <p:nvSpPr>
-          <p:cNvPr id="2" name="Text Placeholder 1"/>
-          <p:cNvSpPr>
-            <a:spLocks noGrp="1"/>
-          </p:cNvSpPr>
-          <p:nvPr>
-            <p:ph type="body" sz="quarter" idx="13"/>
-          </p:nvPr>
-        </p:nvSpPr>
-        <p:spPr>
-          <a:xfrm>
-            <a:off x="457200" y="5029200"/>
-            <a:ext cx="3657600" cy="800219"/>
-          </a:xfrm>
-        </p:spPr>
-        <p:txBody>
-          <a:bodyPr/>
-          <a:lstStyle/>
-          <a:p>
-            <a:r>
-              <a:rPr lang="en-US" dirty="0" smtClean="0"/>
-              <a:t>Manager Technical Training</a:t>
-            </a:r>
-            <a:endParaRPr lang="en-US" dirty="0"/>
-          </a:p>
-        </p:txBody>
-      </p:sp>
-      <p:sp>
-        <p:nvSpPr>
-          <p:cNvPr id="3" name="Text Placeholder 2"/>
-          <p:cNvSpPr>
-            <a:spLocks noGrp="1"/>
-          </p:cNvSpPr>
-          <p:nvPr>
-            <p:ph type="body" sz="quarter" idx="14"/>
-          </p:nvPr>
-        </p:nvSpPr>
-        <p:spPr/>
-        <p:txBody>
-          <a:bodyPr/>
-          <a:lstStyle/>
-          <a:p>
-            <a:r>
-              <a:rPr lang="en-US" dirty="0" smtClean="0">
-                <a:hlinkClick r:id="rId5"/>
-              </a:rPr>
-              <a:t>www.nakov.com</a:t>
-            </a:r>
-            <a:r>
-              <a:rPr lang="en-US" dirty="0" smtClean="0"/>
-              <a:t> </a:t>
-            </a:r>
-            <a:endParaRPr lang="en-US" dirty="0"/>
-          </a:p>
-        </p:txBody>
-      </p:sp>
       <p:pic>
         <p:nvPicPr>
           <p:cNvPr id="9" name="Picture 4" descr="http://r2d2mon82.files.wordpress.com/2008/04/for_sql_logo.jpg"/>
@@ -7482,7 +7350,7 @@
           <p:nvPr/>
         </p:nvPicPr>
         <p:blipFill>
-          <a:blip r:embed="rId6" cstate="print"/>
+          <a:blip r:embed="rId4" cstate="print"/>
           <a:srcRect/>
           <a:stretch>
             <a:fillRect/>
@@ -7490,7 +7358,7 @@
         </p:blipFill>
         <p:spPr bwMode="auto">
           <a:xfrm>
-            <a:off x="5324938" y="4662377"/>
+            <a:off x="5334231" y="4959961"/>
             <a:ext cx="3267075" cy="1466850"/>
           </a:xfrm>
           <a:prstGeom prst="roundRect">
@@ -7518,7 +7386,7 @@
           <p:nvPr/>
         </p:nvPicPr>
         <p:blipFill rotWithShape="1">
-          <a:blip r:embed="rId7" cstate="print">
+          <a:blip r:embed="rId5" cstate="print">
             <a:extLst>
               <a:ext uri="{28A0092B-C50C-407E-A947-70E740481C1C}">
                 <a14:useLocalDpi xmlns:a14="http://schemas.microsoft.com/office/drawing/2010/main" val="0"/>
@@ -7553,7 +7421,7 @@
           <p:nvPr/>
         </p:nvPicPr>
         <p:blipFill>
-          <a:blip r:embed="rId8">
+          <a:blip r:embed="rId6">
             <a:extLst>
               <a:ext uri="{28A0092B-C50C-407E-A947-70E740481C1C}">
                 <a14:useLocalDpi xmlns:a14="http://schemas.microsoft.com/office/drawing/2010/main" val="0"/>
@@ -7608,6 +7476,818 @@
           </a:extLst>
         </p:spPr>
       </p:pic>
+      <p:sp>
+        <p:nvSpPr>
+          <p:cNvPr id="18" name="Text Placeholder 6"/>
+          <p:cNvSpPr>
+            <a:spLocks noGrp="1"/>
+          </p:cNvSpPr>
+          <p:nvPr/>
+        </p:nvSpPr>
+        <p:spPr>
+          <a:xfrm>
+            <a:off x="380999" y="5752679"/>
+            <a:ext cx="3990513" cy="400110"/>
+          </a:xfrm>
+          <a:prstGeom prst="rect">
+            <a:avLst/>
+          </a:prstGeom>
+          <a:noFill/>
+        </p:spPr>
+        <p:txBody>
+          <a:bodyPr wrap="square" rtlCol="0">
+            <a:spAutoFit/>
+          </a:bodyPr>
+          <a:lstStyle>
+            <a:lvl1pPr marL="319088" indent="-319088" algn="l" rtl="0" eaLnBrk="0" fontAlgn="base" hangingPunct="0">
+              <a:spcBef>
+                <a:spcPct val="20000"/>
+              </a:spcBef>
+              <a:spcAft>
+                <a:spcPct val="0"/>
+              </a:spcAft>
+              <a:buClr>
+                <a:schemeClr val="accent5">
+                  <a:lumMod val="40000"/>
+                  <a:lumOff val="60000"/>
+                </a:schemeClr>
+              </a:buClr>
+              <a:buSzPct val="70000"/>
+              <a:buFont typeface="Wingdings 2" pitchFamily="18" charset="2"/>
+              <a:buNone/>
+              <a:defRPr lang="en-US" sz="2000" b="1" kern="1200" dirty="0">
+                <a:solidFill>
+                  <a:schemeClr val="tx2">
+                    <a:lumMod val="20000"/>
+                    <a:lumOff val="80000"/>
+                  </a:schemeClr>
+                </a:solidFill>
+                <a:effectLst>
+                  <a:outerShdw blurRad="38100" dist="38100" dir="2700000" algn="tl">
+                    <a:srgbClr val="000000">
+                      <a:alpha val="43137"/>
+                    </a:srgbClr>
+                  </a:outerShdw>
+                </a:effectLst>
+                <a:latin typeface="Corbel" pitchFamily="34" charset="0"/>
+                <a:ea typeface="+mn-ea"/>
+                <a:cs typeface="+mn-cs"/>
+              </a:defRPr>
+            </a:lvl1pPr>
+            <a:lvl2pPr marL="630238" indent="-273050" algn="l" rtl="0" eaLnBrk="0" fontAlgn="base" hangingPunct="0">
+              <a:spcBef>
+                <a:spcPct val="20000"/>
+              </a:spcBef>
+              <a:spcAft>
+                <a:spcPct val="0"/>
+              </a:spcAft>
+              <a:buClr>
+                <a:schemeClr val="accent2">
+                  <a:lumMod val="60000"/>
+                  <a:lumOff val="40000"/>
+                </a:schemeClr>
+              </a:buClr>
+              <a:buFont typeface="Wingdings 2" pitchFamily="18" charset="2"/>
+              <a:buChar char=""/>
+              <a:defRPr sz="3000" b="1" kern="1200">
+                <a:solidFill>
+                  <a:schemeClr val="tx1">
+                    <a:lumMod val="20000"/>
+                    <a:lumOff val="80000"/>
+                  </a:schemeClr>
+                </a:solidFill>
+                <a:effectLst>
+                  <a:outerShdw blurRad="38100" dist="38100" dir="2700000" algn="tl">
+                    <a:srgbClr val="000000">
+                      <a:alpha val="43137"/>
+                    </a:srgbClr>
+                  </a:outerShdw>
+                </a:effectLst>
+                <a:latin typeface="+mn-lt"/>
+                <a:ea typeface="+mn-ea"/>
+                <a:cs typeface="+mn-cs"/>
+              </a:defRPr>
+            </a:lvl2pPr>
+            <a:lvl3pPr marL="922338" indent="-273050" algn="l" rtl="0" eaLnBrk="0" fontAlgn="base" hangingPunct="0">
+              <a:spcBef>
+                <a:spcPct val="20000"/>
+              </a:spcBef>
+              <a:spcAft>
+                <a:spcPct val="0"/>
+              </a:spcAft>
+              <a:buClr>
+                <a:schemeClr val="tx1">
+                  <a:lumMod val="50000"/>
+                </a:schemeClr>
+              </a:buClr>
+              <a:buFont typeface="Wingdings 2" pitchFamily="18" charset="2"/>
+              <a:buChar char=""/>
+              <a:defRPr sz="2800" b="1" kern="1200">
+                <a:solidFill>
+                  <a:schemeClr val="tx1">
+                    <a:lumMod val="20000"/>
+                    <a:lumOff val="80000"/>
+                  </a:schemeClr>
+                </a:solidFill>
+                <a:effectLst>
+                  <a:outerShdw blurRad="38100" dist="38100" dir="2700000" algn="tl">
+                    <a:srgbClr val="000000">
+                      <a:alpha val="43137"/>
+                    </a:srgbClr>
+                  </a:outerShdw>
+                </a:effectLst>
+                <a:latin typeface="+mn-lt"/>
+                <a:ea typeface="+mn-ea"/>
+                <a:cs typeface="+mn-cs"/>
+              </a:defRPr>
+            </a:lvl3pPr>
+            <a:lvl4pPr marL="1187450" indent="-228600" algn="l" rtl="0" eaLnBrk="0" fontAlgn="base" hangingPunct="0">
+              <a:spcBef>
+                <a:spcPct val="20000"/>
+              </a:spcBef>
+              <a:spcAft>
+                <a:spcPct val="0"/>
+              </a:spcAft>
+              <a:buClr>
+                <a:srgbClr val="F8BD52"/>
+              </a:buClr>
+              <a:buFont typeface="Wingdings 2" pitchFamily="18" charset="2"/>
+              <a:buChar char=""/>
+              <a:defRPr sz="2600" b="1" kern="1200">
+                <a:solidFill>
+                  <a:schemeClr val="tx1">
+                    <a:lumMod val="20000"/>
+                    <a:lumOff val="80000"/>
+                  </a:schemeClr>
+                </a:solidFill>
+                <a:effectLst>
+                  <a:outerShdw blurRad="38100" dist="38100" dir="2700000" algn="tl">
+                    <a:srgbClr val="000000">
+                      <a:alpha val="43137"/>
+                    </a:srgbClr>
+                  </a:outerShdw>
+                </a:effectLst>
+                <a:latin typeface="+mn-lt"/>
+                <a:ea typeface="+mn-ea"/>
+                <a:cs typeface="+mn-cs"/>
+              </a:defRPr>
+            </a:lvl4pPr>
+            <a:lvl5pPr marL="1425575" indent="-228600" algn="l" rtl="0" eaLnBrk="0" fontAlgn="base" hangingPunct="0">
+              <a:spcBef>
+                <a:spcPct val="20000"/>
+              </a:spcBef>
+              <a:spcAft>
+                <a:spcPct val="0"/>
+              </a:spcAft>
+              <a:buClr>
+                <a:srgbClr val="46A6BD"/>
+              </a:buClr>
+              <a:buFont typeface="Wingdings 2" pitchFamily="18" charset="2"/>
+              <a:buChar char=""/>
+              <a:defRPr sz="2400" b="1" kern="1200">
+                <a:solidFill>
+                  <a:schemeClr val="tx1">
+                    <a:lumMod val="20000"/>
+                    <a:lumOff val="80000"/>
+                  </a:schemeClr>
+                </a:solidFill>
+                <a:effectLst>
+                  <a:outerShdw blurRad="38100" dist="38100" dir="2700000" algn="tl">
+                    <a:srgbClr val="000000">
+                      <a:alpha val="43137"/>
+                    </a:srgbClr>
+                  </a:outerShdw>
+                </a:effectLst>
+                <a:latin typeface="+mn-lt"/>
+                <a:ea typeface="+mn-ea"/>
+                <a:cs typeface="+mn-cs"/>
+              </a:defRPr>
+            </a:lvl5pPr>
+            <a:lvl6pPr marL="1673352" indent="-228600" algn="l" rtl="0" eaLnBrk="1" latinLnBrk="0" hangingPunct="1">
+              <a:spcBef>
+                <a:spcPct val="20000"/>
+              </a:spcBef>
+              <a:buClr>
+                <a:schemeClr val="accent6"/>
+              </a:buClr>
+              <a:buFont typeface="Wingdings 2"/>
+              <a:buChar char=""/>
+              <a:defRPr sz="1800" kern="1200">
+                <a:solidFill>
+                  <a:schemeClr val="tx1"/>
+                </a:solidFill>
+                <a:latin typeface="+mn-lt"/>
+                <a:ea typeface="+mn-ea"/>
+                <a:cs typeface="+mn-cs"/>
+              </a:defRPr>
+            </a:lvl6pPr>
+            <a:lvl7pPr marL="1911096" indent="-228600" algn="l" rtl="0" eaLnBrk="1" latinLnBrk="0" hangingPunct="1">
+              <a:spcBef>
+                <a:spcPct val="20000"/>
+              </a:spcBef>
+              <a:buClr>
+                <a:schemeClr val="tx2"/>
+              </a:buClr>
+              <a:buFont typeface="Wingdings 2"/>
+              <a:buChar char=""/>
+              <a:defRPr sz="1600" kern="1200">
+                <a:solidFill>
+                  <a:schemeClr val="tx1"/>
+                </a:solidFill>
+                <a:latin typeface="+mn-lt"/>
+                <a:ea typeface="+mn-ea"/>
+                <a:cs typeface="+mn-cs"/>
+              </a:defRPr>
+            </a:lvl7pPr>
+            <a:lvl8pPr marL="2121408" indent="-182880" algn="l" rtl="0" eaLnBrk="1" latinLnBrk="0" hangingPunct="1">
+              <a:spcBef>
+                <a:spcPct val="20000"/>
+              </a:spcBef>
+              <a:buClr>
+                <a:schemeClr val="tx2"/>
+              </a:buClr>
+              <a:buFont typeface="Wingdings 2"/>
+              <a:buChar char=""/>
+              <a:defRPr sz="1400" kern="1200">
+                <a:solidFill>
+                  <a:schemeClr val="tx1"/>
+                </a:solidFill>
+                <a:latin typeface="+mn-lt"/>
+                <a:ea typeface="+mn-ea"/>
+                <a:cs typeface="+mn-cs"/>
+              </a:defRPr>
+            </a:lvl8pPr>
+            <a:lvl9pPr marL="2322576" indent="-182880" algn="l" rtl="0" eaLnBrk="1" latinLnBrk="0" hangingPunct="1">
+              <a:spcBef>
+                <a:spcPct val="20000"/>
+              </a:spcBef>
+              <a:buClr>
+                <a:schemeClr val="tx2"/>
+              </a:buClr>
+              <a:buFont typeface="Wingdings 2"/>
+              <a:buChar char=""/>
+              <a:defRPr sz="1400" kern="1200">
+                <a:solidFill>
+                  <a:schemeClr val="tx1"/>
+                </a:solidFill>
+                <a:latin typeface="+mn-lt"/>
+                <a:ea typeface="+mn-ea"/>
+                <a:cs typeface="+mn-cs"/>
+              </a:defRPr>
+            </a:lvl9pPr>
+          </a:lstStyle>
+          <a:p>
+            <a:r>
+              <a:rPr lang="en-US" dirty="0" smtClean="0"/>
+              <a:t>Learning &amp; Development Team</a:t>
+            </a:r>
+            <a:endParaRPr lang="en-US" dirty="0"/>
+          </a:p>
+        </p:txBody>
+      </p:sp>
+      <p:sp>
+        <p:nvSpPr>
+          <p:cNvPr id="19" name="Text Placeholder 7"/>
+          <p:cNvSpPr>
+            <a:spLocks noGrp="1"/>
+          </p:cNvSpPr>
+          <p:nvPr/>
+        </p:nvSpPr>
+        <p:spPr>
+          <a:xfrm>
+            <a:off x="381000" y="6057479"/>
+            <a:ext cx="3990513" cy="369332"/>
+          </a:xfrm>
+          <a:prstGeom prst="rect">
+            <a:avLst/>
+          </a:prstGeom>
+          <a:noFill/>
+        </p:spPr>
+        <p:txBody>
+          <a:bodyPr wrap="square" rtlCol="0">
+            <a:spAutoFit/>
+          </a:bodyPr>
+          <a:lstStyle>
+            <a:lvl1pPr marL="319088" indent="-319088" algn="l" rtl="0" eaLnBrk="0" fontAlgn="base" hangingPunct="0">
+              <a:spcBef>
+                <a:spcPct val="20000"/>
+              </a:spcBef>
+              <a:spcAft>
+                <a:spcPct val="0"/>
+              </a:spcAft>
+              <a:buClr>
+                <a:schemeClr val="accent5">
+                  <a:lumMod val="40000"/>
+                  <a:lumOff val="60000"/>
+                </a:schemeClr>
+              </a:buClr>
+              <a:buSzPct val="70000"/>
+              <a:buFont typeface="Wingdings 2" pitchFamily="18" charset="2"/>
+              <a:buNone/>
+              <a:defRPr lang="en-US" sz="1800" b="1" kern="1200" dirty="0">
+                <a:solidFill>
+                  <a:schemeClr val="tx2">
+                    <a:lumMod val="20000"/>
+                    <a:lumOff val="80000"/>
+                  </a:schemeClr>
+                </a:solidFill>
+                <a:effectLst>
+                  <a:outerShdw blurRad="38100" dist="38100" dir="2700000" algn="tl">
+                    <a:srgbClr val="000000">
+                      <a:alpha val="43137"/>
+                    </a:srgbClr>
+                  </a:outerShdw>
+                </a:effectLst>
+                <a:latin typeface="Corbel" pitchFamily="34" charset="0"/>
+                <a:ea typeface="+mn-ea"/>
+                <a:cs typeface="+mn-cs"/>
+              </a:defRPr>
+            </a:lvl1pPr>
+            <a:lvl2pPr marL="630238" indent="-273050" algn="l" rtl="0" eaLnBrk="0" fontAlgn="base" hangingPunct="0">
+              <a:spcBef>
+                <a:spcPct val="20000"/>
+              </a:spcBef>
+              <a:spcAft>
+                <a:spcPct val="0"/>
+              </a:spcAft>
+              <a:buClr>
+                <a:schemeClr val="accent2">
+                  <a:lumMod val="60000"/>
+                  <a:lumOff val="40000"/>
+                </a:schemeClr>
+              </a:buClr>
+              <a:buFont typeface="Wingdings 2" pitchFamily="18" charset="2"/>
+              <a:buChar char=""/>
+              <a:defRPr sz="3000" b="1" kern="1200">
+                <a:solidFill>
+                  <a:schemeClr val="tx1">
+                    <a:lumMod val="20000"/>
+                    <a:lumOff val="80000"/>
+                  </a:schemeClr>
+                </a:solidFill>
+                <a:effectLst>
+                  <a:outerShdw blurRad="38100" dist="38100" dir="2700000" algn="tl">
+                    <a:srgbClr val="000000">
+                      <a:alpha val="43137"/>
+                    </a:srgbClr>
+                  </a:outerShdw>
+                </a:effectLst>
+                <a:latin typeface="+mn-lt"/>
+                <a:ea typeface="+mn-ea"/>
+                <a:cs typeface="+mn-cs"/>
+              </a:defRPr>
+            </a:lvl2pPr>
+            <a:lvl3pPr marL="922338" indent="-273050" algn="l" rtl="0" eaLnBrk="0" fontAlgn="base" hangingPunct="0">
+              <a:spcBef>
+                <a:spcPct val="20000"/>
+              </a:spcBef>
+              <a:spcAft>
+                <a:spcPct val="0"/>
+              </a:spcAft>
+              <a:buClr>
+                <a:schemeClr val="tx1">
+                  <a:lumMod val="50000"/>
+                </a:schemeClr>
+              </a:buClr>
+              <a:buFont typeface="Wingdings 2" pitchFamily="18" charset="2"/>
+              <a:buChar char=""/>
+              <a:defRPr sz="2800" b="1" kern="1200">
+                <a:solidFill>
+                  <a:schemeClr val="tx1">
+                    <a:lumMod val="20000"/>
+                    <a:lumOff val="80000"/>
+                  </a:schemeClr>
+                </a:solidFill>
+                <a:effectLst>
+                  <a:outerShdw blurRad="38100" dist="38100" dir="2700000" algn="tl">
+                    <a:srgbClr val="000000">
+                      <a:alpha val="43137"/>
+                    </a:srgbClr>
+                  </a:outerShdw>
+                </a:effectLst>
+                <a:latin typeface="+mn-lt"/>
+                <a:ea typeface="+mn-ea"/>
+                <a:cs typeface="+mn-cs"/>
+              </a:defRPr>
+            </a:lvl3pPr>
+            <a:lvl4pPr marL="1187450" indent="-228600" algn="l" rtl="0" eaLnBrk="0" fontAlgn="base" hangingPunct="0">
+              <a:spcBef>
+                <a:spcPct val="20000"/>
+              </a:spcBef>
+              <a:spcAft>
+                <a:spcPct val="0"/>
+              </a:spcAft>
+              <a:buClr>
+                <a:srgbClr val="F8BD52"/>
+              </a:buClr>
+              <a:buFont typeface="Wingdings 2" pitchFamily="18" charset="2"/>
+              <a:buChar char=""/>
+              <a:defRPr sz="2600" b="1" kern="1200">
+                <a:solidFill>
+                  <a:schemeClr val="tx1">
+                    <a:lumMod val="20000"/>
+                    <a:lumOff val="80000"/>
+                  </a:schemeClr>
+                </a:solidFill>
+                <a:effectLst>
+                  <a:outerShdw blurRad="38100" dist="38100" dir="2700000" algn="tl">
+                    <a:srgbClr val="000000">
+                      <a:alpha val="43137"/>
+                    </a:srgbClr>
+                  </a:outerShdw>
+                </a:effectLst>
+                <a:latin typeface="+mn-lt"/>
+                <a:ea typeface="+mn-ea"/>
+                <a:cs typeface="+mn-cs"/>
+              </a:defRPr>
+            </a:lvl4pPr>
+            <a:lvl5pPr marL="1425575" indent="-228600" algn="l" rtl="0" eaLnBrk="0" fontAlgn="base" hangingPunct="0">
+              <a:spcBef>
+                <a:spcPct val="20000"/>
+              </a:spcBef>
+              <a:spcAft>
+                <a:spcPct val="0"/>
+              </a:spcAft>
+              <a:buClr>
+                <a:srgbClr val="46A6BD"/>
+              </a:buClr>
+              <a:buFont typeface="Wingdings 2" pitchFamily="18" charset="2"/>
+              <a:buChar char=""/>
+              <a:defRPr sz="2400" b="1" kern="1200">
+                <a:solidFill>
+                  <a:schemeClr val="tx1">
+                    <a:lumMod val="20000"/>
+                    <a:lumOff val="80000"/>
+                  </a:schemeClr>
+                </a:solidFill>
+                <a:effectLst>
+                  <a:outerShdw blurRad="38100" dist="38100" dir="2700000" algn="tl">
+                    <a:srgbClr val="000000">
+                      <a:alpha val="43137"/>
+                    </a:srgbClr>
+                  </a:outerShdw>
+                </a:effectLst>
+                <a:latin typeface="+mn-lt"/>
+                <a:ea typeface="+mn-ea"/>
+                <a:cs typeface="+mn-cs"/>
+              </a:defRPr>
+            </a:lvl5pPr>
+            <a:lvl6pPr marL="1673352" indent="-228600" algn="l" rtl="0" eaLnBrk="1" latinLnBrk="0" hangingPunct="1">
+              <a:spcBef>
+                <a:spcPct val="20000"/>
+              </a:spcBef>
+              <a:buClr>
+                <a:schemeClr val="accent6"/>
+              </a:buClr>
+              <a:buFont typeface="Wingdings 2"/>
+              <a:buChar char=""/>
+              <a:defRPr sz="1800" kern="1200">
+                <a:solidFill>
+                  <a:schemeClr val="tx1"/>
+                </a:solidFill>
+                <a:latin typeface="+mn-lt"/>
+                <a:ea typeface="+mn-ea"/>
+                <a:cs typeface="+mn-cs"/>
+              </a:defRPr>
+            </a:lvl6pPr>
+            <a:lvl7pPr marL="1911096" indent="-228600" algn="l" rtl="0" eaLnBrk="1" latinLnBrk="0" hangingPunct="1">
+              <a:spcBef>
+                <a:spcPct val="20000"/>
+              </a:spcBef>
+              <a:buClr>
+                <a:schemeClr val="tx2"/>
+              </a:buClr>
+              <a:buFont typeface="Wingdings 2"/>
+              <a:buChar char=""/>
+              <a:defRPr sz="1600" kern="1200">
+                <a:solidFill>
+                  <a:schemeClr val="tx1"/>
+                </a:solidFill>
+                <a:latin typeface="+mn-lt"/>
+                <a:ea typeface="+mn-ea"/>
+                <a:cs typeface="+mn-cs"/>
+              </a:defRPr>
+            </a:lvl7pPr>
+            <a:lvl8pPr marL="2121408" indent="-182880" algn="l" rtl="0" eaLnBrk="1" latinLnBrk="0" hangingPunct="1">
+              <a:spcBef>
+                <a:spcPct val="20000"/>
+              </a:spcBef>
+              <a:buClr>
+                <a:schemeClr val="tx2"/>
+              </a:buClr>
+              <a:buFont typeface="Wingdings 2"/>
+              <a:buChar char=""/>
+              <a:defRPr sz="1400" kern="1200">
+                <a:solidFill>
+                  <a:schemeClr val="tx1"/>
+                </a:solidFill>
+                <a:latin typeface="+mn-lt"/>
+                <a:ea typeface="+mn-ea"/>
+                <a:cs typeface="+mn-cs"/>
+              </a:defRPr>
+            </a:lvl8pPr>
+            <a:lvl9pPr marL="2322576" indent="-182880" algn="l" rtl="0" eaLnBrk="1" latinLnBrk="0" hangingPunct="1">
+              <a:spcBef>
+                <a:spcPct val="20000"/>
+              </a:spcBef>
+              <a:buClr>
+                <a:schemeClr val="tx2"/>
+              </a:buClr>
+              <a:buFont typeface="Wingdings 2"/>
+              <a:buChar char=""/>
+              <a:defRPr sz="1400" kern="1200">
+                <a:solidFill>
+                  <a:schemeClr val="tx1"/>
+                </a:solidFill>
+                <a:latin typeface="+mn-lt"/>
+                <a:ea typeface="+mn-ea"/>
+                <a:cs typeface="+mn-cs"/>
+              </a:defRPr>
+            </a:lvl9pPr>
+          </a:lstStyle>
+          <a:p>
+            <a:r>
+              <a:rPr lang="en-US" dirty="0" smtClean="0">
+                <a:hlinkClick r:id="rId7"/>
+              </a:rPr>
+              <a:t>http://academy.telerik.com</a:t>
+            </a:r>
+            <a:r>
+              <a:rPr lang="en-US" dirty="0" smtClean="0"/>
+              <a:t> </a:t>
+            </a:r>
+            <a:endParaRPr lang="en-US" dirty="0"/>
+          </a:p>
+        </p:txBody>
+      </p:sp>
+      <p:sp>
+        <p:nvSpPr>
+          <p:cNvPr id="20" name="Text Placeholder 13"/>
+          <p:cNvSpPr>
+            <a:spLocks noGrp="1"/>
+          </p:cNvSpPr>
+          <p:nvPr/>
+        </p:nvSpPr>
+        <p:spPr>
+          <a:xfrm>
+            <a:off x="381000" y="5378036"/>
+            <a:ext cx="3990513" cy="461665"/>
+          </a:xfrm>
+          <a:prstGeom prst="rect">
+            <a:avLst/>
+          </a:prstGeom>
+          <a:noFill/>
+        </p:spPr>
+        <p:txBody>
+          <a:bodyPr wrap="square" rtlCol="0">
+            <a:spAutoFit/>
+          </a:bodyPr>
+          <a:lstStyle>
+            <a:lvl1pPr marL="0" indent="0" algn="l" rtl="0" eaLnBrk="0" fontAlgn="base" hangingPunct="0">
+              <a:spcBef>
+                <a:spcPct val="20000"/>
+              </a:spcBef>
+              <a:spcAft>
+                <a:spcPct val="0"/>
+              </a:spcAft>
+              <a:buClr>
+                <a:schemeClr val="accent5">
+                  <a:lumMod val="40000"/>
+                  <a:lumOff val="60000"/>
+                </a:schemeClr>
+              </a:buClr>
+              <a:buSzPct val="70000"/>
+              <a:buFont typeface="Wingdings 2" pitchFamily="18" charset="2"/>
+              <a:buNone/>
+              <a:defRPr lang="en-US" sz="2400" b="1" kern="1200" dirty="0">
+                <a:solidFill>
+                  <a:schemeClr val="tx2">
+                    <a:lumMod val="50000"/>
+                  </a:schemeClr>
+                </a:solidFill>
+                <a:effectLst>
+                  <a:outerShdw blurRad="38100" dist="38100" dir="2700000" algn="tl">
+                    <a:srgbClr val="000000">
+                      <a:alpha val="43137"/>
+                    </a:srgbClr>
+                  </a:outerShdw>
+                </a:effectLst>
+                <a:latin typeface="Corbel" pitchFamily="34" charset="0"/>
+                <a:ea typeface="+mn-ea"/>
+                <a:cs typeface="+mn-cs"/>
+              </a:defRPr>
+            </a:lvl1pPr>
+            <a:lvl2pPr marL="630238" indent="-273050" algn="l" rtl="0" eaLnBrk="0" fontAlgn="base" hangingPunct="0">
+              <a:spcBef>
+                <a:spcPct val="20000"/>
+              </a:spcBef>
+              <a:spcAft>
+                <a:spcPct val="0"/>
+              </a:spcAft>
+              <a:buClr>
+                <a:schemeClr val="accent2">
+                  <a:lumMod val="60000"/>
+                  <a:lumOff val="40000"/>
+                </a:schemeClr>
+              </a:buClr>
+              <a:buFont typeface="Wingdings 2" pitchFamily="18" charset="2"/>
+              <a:buChar char=""/>
+              <a:defRPr sz="3000" b="1" kern="1200">
+                <a:solidFill>
+                  <a:schemeClr val="tx1">
+                    <a:lumMod val="20000"/>
+                    <a:lumOff val="80000"/>
+                  </a:schemeClr>
+                </a:solidFill>
+                <a:effectLst>
+                  <a:outerShdw blurRad="38100" dist="38100" dir="2700000" algn="tl">
+                    <a:srgbClr val="000000">
+                      <a:alpha val="43137"/>
+                    </a:srgbClr>
+                  </a:outerShdw>
+                </a:effectLst>
+                <a:latin typeface="+mn-lt"/>
+                <a:ea typeface="+mn-ea"/>
+                <a:cs typeface="+mn-cs"/>
+              </a:defRPr>
+            </a:lvl2pPr>
+            <a:lvl3pPr marL="922338" indent="-273050" algn="l" rtl="0" eaLnBrk="0" fontAlgn="base" hangingPunct="0">
+              <a:spcBef>
+                <a:spcPct val="20000"/>
+              </a:spcBef>
+              <a:spcAft>
+                <a:spcPct val="0"/>
+              </a:spcAft>
+              <a:buClr>
+                <a:schemeClr val="tx1">
+                  <a:lumMod val="50000"/>
+                </a:schemeClr>
+              </a:buClr>
+              <a:buFont typeface="Wingdings 2" pitchFamily="18" charset="2"/>
+              <a:buChar char=""/>
+              <a:defRPr sz="2800" b="1" kern="1200">
+                <a:solidFill>
+                  <a:schemeClr val="tx1">
+                    <a:lumMod val="20000"/>
+                    <a:lumOff val="80000"/>
+                  </a:schemeClr>
+                </a:solidFill>
+                <a:effectLst>
+                  <a:outerShdw blurRad="38100" dist="38100" dir="2700000" algn="tl">
+                    <a:srgbClr val="000000">
+                      <a:alpha val="43137"/>
+                    </a:srgbClr>
+                  </a:outerShdw>
+                </a:effectLst>
+                <a:latin typeface="+mn-lt"/>
+                <a:ea typeface="+mn-ea"/>
+                <a:cs typeface="+mn-cs"/>
+              </a:defRPr>
+            </a:lvl3pPr>
+            <a:lvl4pPr marL="1187450" indent="-228600" algn="l" rtl="0" eaLnBrk="0" fontAlgn="base" hangingPunct="0">
+              <a:spcBef>
+                <a:spcPct val="20000"/>
+              </a:spcBef>
+              <a:spcAft>
+                <a:spcPct val="0"/>
+              </a:spcAft>
+              <a:buClr>
+                <a:srgbClr val="F8BD52"/>
+              </a:buClr>
+              <a:buFont typeface="Wingdings 2" pitchFamily="18" charset="2"/>
+              <a:buChar char=""/>
+              <a:defRPr sz="2600" b="1" kern="1200">
+                <a:solidFill>
+                  <a:schemeClr val="tx1">
+                    <a:lumMod val="20000"/>
+                    <a:lumOff val="80000"/>
+                  </a:schemeClr>
+                </a:solidFill>
+                <a:effectLst>
+                  <a:outerShdw blurRad="38100" dist="38100" dir="2700000" algn="tl">
+                    <a:srgbClr val="000000">
+                      <a:alpha val="43137"/>
+                    </a:srgbClr>
+                  </a:outerShdw>
+                </a:effectLst>
+                <a:latin typeface="+mn-lt"/>
+                <a:ea typeface="+mn-ea"/>
+                <a:cs typeface="+mn-cs"/>
+              </a:defRPr>
+            </a:lvl4pPr>
+            <a:lvl5pPr marL="1425575" indent="-228600" algn="l" rtl="0" eaLnBrk="0" fontAlgn="base" hangingPunct="0">
+              <a:spcBef>
+                <a:spcPct val="20000"/>
+              </a:spcBef>
+              <a:spcAft>
+                <a:spcPct val="0"/>
+              </a:spcAft>
+              <a:buClr>
+                <a:srgbClr val="46A6BD"/>
+              </a:buClr>
+              <a:buFont typeface="Wingdings 2" pitchFamily="18" charset="2"/>
+              <a:buChar char=""/>
+              <a:defRPr sz="2400" b="1" kern="1200">
+                <a:solidFill>
+                  <a:schemeClr val="tx1">
+                    <a:lumMod val="20000"/>
+                    <a:lumOff val="80000"/>
+                  </a:schemeClr>
+                </a:solidFill>
+                <a:effectLst>
+                  <a:outerShdw blurRad="38100" dist="38100" dir="2700000" algn="tl">
+                    <a:srgbClr val="000000">
+                      <a:alpha val="43137"/>
+                    </a:srgbClr>
+                  </a:outerShdw>
+                </a:effectLst>
+                <a:latin typeface="+mn-lt"/>
+                <a:ea typeface="+mn-ea"/>
+                <a:cs typeface="+mn-cs"/>
+              </a:defRPr>
+            </a:lvl5pPr>
+            <a:lvl6pPr marL="1673352" indent="-228600" algn="l" rtl="0" eaLnBrk="1" latinLnBrk="0" hangingPunct="1">
+              <a:spcBef>
+                <a:spcPct val="20000"/>
+              </a:spcBef>
+              <a:buClr>
+                <a:schemeClr val="accent6"/>
+              </a:buClr>
+              <a:buFont typeface="Wingdings 2"/>
+              <a:buChar char=""/>
+              <a:defRPr sz="1800" kern="1200">
+                <a:solidFill>
+                  <a:schemeClr val="tx1"/>
+                </a:solidFill>
+                <a:latin typeface="+mn-lt"/>
+                <a:ea typeface="+mn-ea"/>
+                <a:cs typeface="+mn-cs"/>
+              </a:defRPr>
+            </a:lvl6pPr>
+            <a:lvl7pPr marL="1911096" indent="-228600" algn="l" rtl="0" eaLnBrk="1" latinLnBrk="0" hangingPunct="1">
+              <a:spcBef>
+                <a:spcPct val="20000"/>
+              </a:spcBef>
+              <a:buClr>
+                <a:schemeClr val="tx2"/>
+              </a:buClr>
+              <a:buFont typeface="Wingdings 2"/>
+              <a:buChar char=""/>
+              <a:defRPr sz="1600" kern="1200">
+                <a:solidFill>
+                  <a:schemeClr val="tx1"/>
+                </a:solidFill>
+                <a:latin typeface="+mn-lt"/>
+                <a:ea typeface="+mn-ea"/>
+                <a:cs typeface="+mn-cs"/>
+              </a:defRPr>
+            </a:lvl7pPr>
+            <a:lvl8pPr marL="2121408" indent="-182880" algn="l" rtl="0" eaLnBrk="1" latinLnBrk="0" hangingPunct="1">
+              <a:spcBef>
+                <a:spcPct val="20000"/>
+              </a:spcBef>
+              <a:buClr>
+                <a:schemeClr val="tx2"/>
+              </a:buClr>
+              <a:buFont typeface="Wingdings 2"/>
+              <a:buChar char=""/>
+              <a:defRPr sz="1400" kern="1200">
+                <a:solidFill>
+                  <a:schemeClr val="tx1"/>
+                </a:solidFill>
+                <a:latin typeface="+mn-lt"/>
+                <a:ea typeface="+mn-ea"/>
+                <a:cs typeface="+mn-cs"/>
+              </a:defRPr>
+            </a:lvl8pPr>
+            <a:lvl9pPr marL="2322576" indent="-182880" algn="l" rtl="0" eaLnBrk="1" latinLnBrk="0" hangingPunct="1">
+              <a:spcBef>
+                <a:spcPct val="20000"/>
+              </a:spcBef>
+              <a:buClr>
+                <a:schemeClr val="tx2"/>
+              </a:buClr>
+              <a:buFont typeface="Wingdings 2"/>
+              <a:buChar char=""/>
+              <a:defRPr sz="1400" kern="1200">
+                <a:solidFill>
+                  <a:schemeClr val="tx1"/>
+                </a:solidFill>
+                <a:latin typeface="+mn-lt"/>
+                <a:ea typeface="+mn-ea"/>
+                <a:cs typeface="+mn-cs"/>
+              </a:defRPr>
+            </a:lvl9pPr>
+          </a:lstStyle>
+          <a:p>
+            <a:r>
+              <a:rPr lang="en-US" dirty="0" smtClean="0"/>
+              <a:t>Telerik Software Academy</a:t>
+            </a:r>
+            <a:endParaRPr lang="en-US" dirty="0"/>
+          </a:p>
+        </p:txBody>
+      </p:sp>
     </p:spTree>
     <p:extLst>
       <p:ext uri="{BB962C8B-B14F-4D97-AF65-F5344CB8AC3E}">
@@ -25795,7 +26475,7 @@
         </p:nvSpPr>
         <p:spPr>
           <a:xfrm>
-            <a:off x="228600" y="1143000"/>
+            <a:off x="228600" y="990600"/>
             <a:ext cx="8686800" cy="5562600"/>
           </a:xfrm>
         </p:spPr>
@@ -29437,19 +30117,35 @@
                 </a:solidFill>
                 <a:latin typeface="Consolas" pitchFamily="49" charset="0"/>
               </a:rPr>
-              <a:t>object&gt;</a:t>
-            </a:r>
-            <a:r>
-              <a:rPr lang="en-US" dirty="0" smtClean="0"/>
-              <a:t> could be  c</a:t>
-            </a:r>
-            <a:r>
-              <a:rPr lang="en-US" altLang="en-US" dirty="0" smtClean="0"/>
-              <a:t>an </a:t>
+              <a:t>object</a:t>
+            </a:r>
+            <a:r>
+              <a:rPr lang="en-US" altLang="en-US" smtClean="0">
+                <a:solidFill>
+                  <a:schemeClr val="accent5">
+                    <a:lumMod val="20000"/>
+                    <a:lumOff val="80000"/>
+                  </a:schemeClr>
+                </a:solidFill>
+                <a:latin typeface="Consolas" pitchFamily="49" charset="0"/>
+              </a:rPr>
+              <a:t>&gt;</a:t>
+            </a:r>
+            <a:r>
+              <a:rPr lang="en-US" smtClean="0"/>
+              <a:t> </a:t>
+            </a:r>
+            <a:r>
+              <a:rPr lang="en-US" smtClean="0"/>
+              <a:t>can </a:t>
+            </a:r>
+            <a:r>
+              <a:rPr lang="en-US" altLang="en-US" smtClean="0"/>
+              <a:t>be </a:t>
             </a:r>
             <a:r>
               <a:rPr lang="en-US" altLang="en-US" dirty="0"/>
-              <a:t>be a </a:t>
+              <a:t>a </a:t>
             </a:r>
             <a:r>
               <a:rPr lang="en-US" altLang="en-US" dirty="0" smtClean="0"/>
